--- a/presentation/SE2_final_v4.pptx
+++ b/presentation/SE2_final_v4.pptx
@@ -5254,13 +5254,6 @@
               </a:rPr>
               <a:t>ARCHITECTURE DESIGN:</a:t>
             </a:r>
-            <a:r>
-              <a:rPr lang="en-US" b="1" dirty="0" smtClean="0">
-                <a:latin typeface="Arial" panose="020B0604020202020204" pitchFamily="34" charset="0"/>
-                <a:cs typeface="Arial" panose="020B0604020202020204" pitchFamily="34" charset="0"/>
-              </a:rPr>
-              <a:t/>
-            </a:r>
             <a:br>
               <a:rPr lang="en-US" b="1" dirty="0" smtClean="0">
                 <a:latin typeface="Arial" panose="020B0604020202020204" pitchFamily="34" charset="0"/>
@@ -6434,7 +6427,7 @@
 </file>
 
 <file path=ppt/slides/slide14.xml><?xml version="1.0" encoding="utf-8"?>
-<p:sld xmlns:a="http://schemas.openxmlformats.org/drawingml/2006/main" xmlns:r="http://schemas.openxmlformats.org/officeDocument/2006/relationships" xmlns:p="http://schemas.openxmlformats.org/presentationml/2006/main">
+<p:sld xmlns:a="http://schemas.openxmlformats.org/drawingml/2006/main" xmlns:r="http://schemas.openxmlformats.org/officeDocument/2006/relationships" xmlns:p="http://schemas.openxmlformats.org/presentationml/2006/main" show="0">
   <p:cSld>
     <p:spTree>
       <p:nvGrpSpPr>
@@ -6626,11 +6619,11 @@
   <p:clrMapOvr>
     <a:masterClrMapping/>
   </p:clrMapOvr>
-  <mc:AlternateContent xmlns:mc="http://schemas.openxmlformats.org/markup-compatibility/2006" xmlns:p14="http://schemas.microsoft.com/office/powerpoint/2010/main">
-    <mc:Choice Requires="p14">
+  <mc:AlternateContent xmlns:mc="http://schemas.openxmlformats.org/markup-compatibility/2006">
+    <mc:Choice xmlns:p14="http://schemas.microsoft.com/office/powerpoint/2010/main" Requires="p14">
       <p:transition p14:dur="0"/>
     </mc:Choice>
-    <mc:Fallback xmlns="">
+    <mc:Fallback>
       <p:transition/>
     </mc:Fallback>
   </mc:AlternateContent>
@@ -8396,14 +8389,7 @@
                 <a:latin typeface="Arial" panose="020B0604020202020204" pitchFamily="34" charset="0"/>
                 <a:cs typeface="Arial" panose="020B0604020202020204" pitchFamily="34" charset="0"/>
               </a:rPr>
-              <a:t>WHAT IS </a:t>
-            </a:r>
-            <a:r>
-              <a:rPr lang="en-US" dirty="0" smtClean="0">
-                <a:latin typeface="Arial" panose="020B0604020202020204" pitchFamily="34" charset="0"/>
-                <a:cs typeface="Arial" panose="020B0604020202020204" pitchFamily="34" charset="0"/>
-              </a:rPr>
-              <a:t>IT?</a:t>
+              <a:t>WHAT IS IT?</a:t>
             </a:r>
             <a:endParaRPr lang="it-IT" dirty="0">
               <a:latin typeface="Arial" panose="020B0604020202020204" pitchFamily="34" charset="0"/>
@@ -8989,15 +8975,7 @@
                   <a:schemeClr val="tx1"/>
                 </a:solidFill>
               </a:rPr>
-              <a:t>that exclusively </a:t>
-            </a:r>
-            <a:r>
-              <a:rPr lang="it-IT" sz="2800" dirty="0" smtClean="0">
-                <a:solidFill>
-                  <a:schemeClr val="tx1"/>
-                </a:solidFill>
-              </a:rPr>
-              <a:t>employs </a:t>
+              <a:t>that exclusively employs </a:t>
             </a:r>
             <a:r>
               <a:rPr lang="it-IT" sz="2800" b="1" dirty="0" smtClean="0">
@@ -20732,8 +20710,8 @@
         </p:nvSpPr>
         <p:spPr>
           <a:xfrm>
-            <a:off x="539552" y="1417638"/>
-            <a:ext cx="3024336" cy="2031325"/>
+            <a:off x="971600" y="1751323"/>
+            <a:ext cx="1728192" cy="646331"/>
           </a:xfrm>
           <a:prstGeom prst="rect">
             <a:avLst/>
@@ -20747,46 +20725,202 @@
           <a:lstStyle/>
           <a:p>
             <a:r>
-              <a:rPr lang="it-IT" dirty="0" smtClean="0"/>
+              <a:rPr lang="it-IT" b="1" dirty="0" smtClean="0"/>
+              <a:t>NO </a:t>
+            </a:r>
+            <a:r>
+              <a:rPr lang="it-IT" b="1" dirty="0" smtClean="0"/>
               <a:t>INTERNET CONNECTION</a:t>
             </a:r>
-          </a:p>
-          <a:p>
-            <a:r>
-              <a:rPr lang="it-IT" dirty="0" smtClean="0"/>
-              <a:t>NATURAL EVENT</a:t>
-            </a:r>
-          </a:p>
-          <a:p>
-            <a:r>
-              <a:rPr lang="it-IT" dirty="0" smtClean="0"/>
+            <a:endParaRPr lang="it-IT" b="1" dirty="0" smtClean="0"/>
+          </a:p>
+        </p:txBody>
+      </p:sp>
+      <p:sp>
+        <p:nvSpPr>
+          <p:cNvPr id="5" name="TextBox 4"/>
+          <p:cNvSpPr txBox="1"/>
+          <p:nvPr/>
+        </p:nvSpPr>
+        <p:spPr>
+          <a:xfrm>
+            <a:off x="473702" y="4653135"/>
+            <a:ext cx="3024336" cy="369332"/>
+          </a:xfrm>
+          <a:prstGeom prst="rect">
+            <a:avLst/>
+          </a:prstGeom>
+          <a:noFill/>
+        </p:spPr>
+        <p:txBody>
+          <a:bodyPr wrap="square" rtlCol="0">
+            <a:spAutoFit/>
+          </a:bodyPr>
+          <a:lstStyle/>
+          <a:p>
+            <a:r>
+              <a:rPr lang="it-IT" b="1" dirty="0" smtClean="0"/>
+              <a:t>LOSS </a:t>
+            </a:r>
+            <a:r>
+              <a:rPr lang="it-IT" b="1" dirty="0" smtClean="0"/>
+              <a:t>OF </a:t>
+            </a:r>
+            <a:r>
+              <a:rPr lang="it-IT" b="1" dirty="0" smtClean="0"/>
+              <a:t>DATA</a:t>
+            </a:r>
+            <a:endParaRPr lang="it-IT" b="1" dirty="0" smtClean="0"/>
+          </a:p>
+        </p:txBody>
+      </p:sp>
+      <p:sp>
+        <p:nvSpPr>
+          <p:cNvPr id="6" name="TextBox 5"/>
+          <p:cNvSpPr txBox="1"/>
+          <p:nvPr/>
+        </p:nvSpPr>
+        <p:spPr>
+          <a:xfrm>
+            <a:off x="323528" y="3316157"/>
+            <a:ext cx="3024336" cy="369332"/>
+          </a:xfrm>
+          <a:prstGeom prst="rect">
+            <a:avLst/>
+          </a:prstGeom>
+          <a:noFill/>
+        </p:spPr>
+        <p:txBody>
+          <a:bodyPr wrap="square" rtlCol="0">
+            <a:spAutoFit/>
+          </a:bodyPr>
+          <a:lstStyle/>
+          <a:p>
+            <a:r>
+              <a:rPr lang="it-IT" b="1" dirty="0" smtClean="0"/>
               <a:t>NO ELECTRICITY</a:t>
             </a:r>
-          </a:p>
-          <a:p>
-            <a:r>
-              <a:rPr lang="it-IT" dirty="0" smtClean="0"/>
-              <a:t>LOSS OF DATA</a:t>
-            </a:r>
-          </a:p>
-          <a:p>
-            <a:r>
-              <a:rPr lang="it-IT" dirty="0" smtClean="0"/>
+            <a:endParaRPr lang="it-IT" b="1" dirty="0" smtClean="0"/>
+          </a:p>
+        </p:txBody>
+      </p:sp>
+      <p:sp>
+        <p:nvSpPr>
+          <p:cNvPr id="7" name="TextBox 6"/>
+          <p:cNvSpPr txBox="1"/>
+          <p:nvPr/>
+        </p:nvSpPr>
+        <p:spPr>
+          <a:xfrm>
+            <a:off x="3851920" y="1670323"/>
+            <a:ext cx="3024336" cy="369332"/>
+          </a:xfrm>
+          <a:prstGeom prst="rect">
+            <a:avLst/>
+          </a:prstGeom>
+          <a:noFill/>
+        </p:spPr>
+        <p:txBody>
+          <a:bodyPr wrap="square" rtlCol="0">
+            <a:spAutoFit/>
+          </a:bodyPr>
+          <a:lstStyle/>
+          <a:p>
+            <a:r>
+              <a:rPr lang="it-IT" b="1" dirty="0" smtClean="0"/>
+              <a:t>NATURAL EVENTS</a:t>
+            </a:r>
+            <a:endParaRPr lang="it-IT" b="1" dirty="0" smtClean="0"/>
+          </a:p>
+        </p:txBody>
+      </p:sp>
+      <p:sp>
+        <p:nvSpPr>
+          <p:cNvPr id="8" name="TextBox 7"/>
+          <p:cNvSpPr txBox="1"/>
+          <p:nvPr/>
+        </p:nvSpPr>
+        <p:spPr>
+          <a:xfrm>
+            <a:off x="1835696" y="5706238"/>
+            <a:ext cx="3024336" cy="369332"/>
+          </a:xfrm>
+          <a:prstGeom prst="rect">
+            <a:avLst/>
+          </a:prstGeom>
+          <a:noFill/>
+        </p:spPr>
+        <p:txBody>
+          <a:bodyPr wrap="square" rtlCol="0">
+            <a:spAutoFit/>
+          </a:bodyPr>
+          <a:lstStyle/>
+          <a:p>
+            <a:r>
+              <a:rPr lang="it-IT" b="1" dirty="0" smtClean="0"/>
               <a:t>REACH OFFICE</a:t>
             </a:r>
-          </a:p>
-          <a:p>
-            <a:r>
-              <a:rPr lang="it-IT" dirty="0" smtClean="0"/>
+            <a:endParaRPr lang="it-IT" b="1" dirty="0" smtClean="0"/>
+          </a:p>
+        </p:txBody>
+      </p:sp>
+      <p:sp>
+        <p:nvSpPr>
+          <p:cNvPr id="10" name="TextBox 9"/>
+          <p:cNvSpPr txBox="1"/>
+          <p:nvPr/>
+        </p:nvSpPr>
+        <p:spPr>
+          <a:xfrm>
+            <a:off x="7020272" y="3898477"/>
+            <a:ext cx="3024336" cy="369332"/>
+          </a:xfrm>
+          <a:prstGeom prst="rect">
+            <a:avLst/>
+          </a:prstGeom>
+          <a:noFill/>
+        </p:spPr>
+        <p:txBody>
+          <a:bodyPr wrap="square" rtlCol="0">
+            <a:spAutoFit/>
+          </a:bodyPr>
+          <a:lstStyle/>
+          <a:p>
+            <a:r>
+              <a:rPr lang="it-IT" b="1" dirty="0" smtClean="0"/>
+              <a:t>RESIGNATION</a:t>
+            </a:r>
+            <a:endParaRPr lang="it-IT" b="1" dirty="0"/>
+          </a:p>
+        </p:txBody>
+      </p:sp>
+      <p:sp>
+        <p:nvSpPr>
+          <p:cNvPr id="11" name="TextBox 10"/>
+          <p:cNvSpPr txBox="1"/>
+          <p:nvPr/>
+        </p:nvSpPr>
+        <p:spPr>
+          <a:xfrm>
+            <a:off x="7158130" y="2313746"/>
+            <a:ext cx="3024336" cy="369332"/>
+          </a:xfrm>
+          <a:prstGeom prst="rect">
+            <a:avLst/>
+          </a:prstGeom>
+          <a:noFill/>
+        </p:spPr>
+        <p:txBody>
+          <a:bodyPr wrap="square" rtlCol="0">
+            <a:spAutoFit/>
+          </a:bodyPr>
+          <a:lstStyle/>
+          <a:p>
+            <a:r>
+              <a:rPr lang="it-IT" b="1" dirty="0" smtClean="0"/>
               <a:t>LAW CHANGE</a:t>
             </a:r>
-          </a:p>
-          <a:p>
-            <a:r>
-              <a:rPr lang="it-IT" dirty="0" smtClean="0"/>
-              <a:t>RESIGNATION</a:t>
-            </a:r>
-            <a:endParaRPr lang="it-IT" dirty="0"/>
+            <a:endParaRPr lang="it-IT" b="1" dirty="0" smtClean="0"/>
           </a:p>
         </p:txBody>
       </p:sp>
@@ -22025,13 +22159,7 @@
               <a:rPr lang="en-US" b="1" dirty="0" smtClean="0">
                 <a:latin typeface="+mn-lt"/>
               </a:rPr>
-              <a:t>SOME </a:t>
-            </a:r>
-            <a:r>
-              <a:rPr lang="en-US" b="1" dirty="0" smtClean="0">
-                <a:latin typeface="+mn-lt"/>
-              </a:rPr>
-              <a:t>ASSUMPTIONS</a:t>
+              <a:t>SOME ASSUMPTIONS</a:t>
             </a:r>
             <a:endParaRPr lang="en-US" dirty="0">
               <a:latin typeface="+mn-lt"/>
@@ -22119,31 +22247,15 @@
                   <a:schemeClr val="tx1"/>
                 </a:solidFill>
               </a:rPr>
-              <a:t>PowerEnjoy</a:t>
-            </a:r>
-            <a:r>
-              <a:rPr lang="en-GB" sz="1700" dirty="0" err="1" smtClean="0">
+              <a:t>PowerEnjoy’s</a:t>
+            </a:r>
+            <a:r>
+              <a:rPr lang="en-GB" sz="1700" dirty="0" smtClean="0">
                 <a:solidFill>
                   <a:schemeClr val="tx1"/>
                 </a:solidFill>
               </a:rPr>
-              <a:t>’s</a:t>
-            </a:r>
-            <a:r>
-              <a:rPr lang="en-GB" sz="1700" dirty="0" smtClean="0">
-                <a:solidFill>
-                  <a:schemeClr val="tx1"/>
-                </a:solidFill>
-              </a:rPr>
-              <a:t> </a:t>
-            </a:r>
-            <a:r>
-              <a:rPr lang="en-GB" sz="1700" dirty="0" smtClean="0">
-                <a:solidFill>
-                  <a:schemeClr val="tx1"/>
-                </a:solidFill>
-              </a:rPr>
-              <a:t>power plugs.</a:t>
+              <a:t> power plugs.</a:t>
             </a:r>
             <a:endParaRPr lang="it-IT" sz="1700" dirty="0">
               <a:solidFill>
@@ -23045,11 +23157,11 @@
   <p:clrMapOvr>
     <a:masterClrMapping/>
   </p:clrMapOvr>
-  <mc:AlternateContent xmlns:mc="http://schemas.openxmlformats.org/markup-compatibility/2006">
-    <mc:Choice xmlns:p14="http://schemas.microsoft.com/office/powerpoint/2010/main" Requires="p14">
+  <mc:AlternateContent xmlns:mc="http://schemas.openxmlformats.org/markup-compatibility/2006" xmlns:p14="http://schemas.microsoft.com/office/powerpoint/2010/main">
+    <mc:Choice Requires="p14">
       <p:transition p14:dur="0"/>
     </mc:Choice>
-    <mc:Fallback>
+    <mc:Fallback xmlns="">
       <p:transition/>
     </mc:Fallback>
   </mc:AlternateContent>
